--- a/Slides.pptx
+++ b/Slides.pptx
@@ -3742,8 +3742,8 @@
         </p:blipFill>
         <p:spPr>
           <a:xfrm>
-            <a:off x="274320" y="914400"/>
-            <a:ext cx="5486400" cy="4114800"/>
+            <a:off x="1371600" y="2286000"/>
+            <a:ext cx="3657600" cy="2743200"/>
           </a:xfrm>
           <a:prstGeom prst="rect">
             <a:avLst/>
@@ -3766,8 +3766,8 @@
         </p:blipFill>
         <p:spPr>
           <a:xfrm>
-            <a:off x="6370323" y="914400"/>
-            <a:ext cx="5486400" cy="4114800"/>
+            <a:off x="6400800" y="2286000"/>
+            <a:ext cx="3657600" cy="2743200"/>
           </a:xfrm>
           <a:prstGeom prst="rect">
             <a:avLst/>
